--- a/slides/2018-01-24-FT-Interop.pptx
+++ b/slides/2018-01-24-FT-Interop.pptx
@@ -245,7 +245,7 @@
           <a:p>
             <a:fld id="{E2593520-FD55-7B49-9493-2A983CF880CA}" type="datetimeFigureOut">
               <a:rPr lang="en-US" smtClean="0"/>
-              <a:t>1/24/18</a:t>
+              <a:t>1/31/18</a:t>
             </a:fld>
             <a:endParaRPr lang="en-US"/>
           </a:p>
@@ -413,7 +413,7 @@
           <a:p>
             <a:fld id="{E2593520-FD55-7B49-9493-2A983CF880CA}" type="datetimeFigureOut">
               <a:rPr lang="en-US" smtClean="0"/>
-              <a:t>1/24/18</a:t>
+              <a:t>1/31/18</a:t>
             </a:fld>
             <a:endParaRPr lang="en-US"/>
           </a:p>
@@ -591,7 +591,7 @@
           <a:p>
             <a:fld id="{E2593520-FD55-7B49-9493-2A983CF880CA}" type="datetimeFigureOut">
               <a:rPr lang="en-US" smtClean="0"/>
-              <a:t>1/24/18</a:t>
+              <a:t>1/31/18</a:t>
             </a:fld>
             <a:endParaRPr lang="en-US"/>
           </a:p>
@@ -759,7 +759,7 @@
           <a:p>
             <a:fld id="{E2593520-FD55-7B49-9493-2A983CF880CA}" type="datetimeFigureOut">
               <a:rPr lang="en-US" smtClean="0"/>
-              <a:t>1/24/18</a:t>
+              <a:t>1/31/18</a:t>
             </a:fld>
             <a:endParaRPr lang="en-US"/>
           </a:p>
@@ -1004,7 +1004,7 @@
           <a:p>
             <a:fld id="{E2593520-FD55-7B49-9493-2A983CF880CA}" type="datetimeFigureOut">
               <a:rPr lang="en-US" smtClean="0"/>
-              <a:t>1/24/18</a:t>
+              <a:t>1/31/18</a:t>
             </a:fld>
             <a:endParaRPr lang="en-US"/>
           </a:p>
@@ -1233,7 +1233,7 @@
           <a:p>
             <a:fld id="{E2593520-FD55-7B49-9493-2A983CF880CA}" type="datetimeFigureOut">
               <a:rPr lang="en-US" smtClean="0"/>
-              <a:t>1/24/18</a:t>
+              <a:t>1/31/18</a:t>
             </a:fld>
             <a:endParaRPr lang="en-US"/>
           </a:p>
@@ -1597,7 +1597,7 @@
           <a:p>
             <a:fld id="{E2593520-FD55-7B49-9493-2A983CF880CA}" type="datetimeFigureOut">
               <a:rPr lang="en-US" smtClean="0"/>
-              <a:t>1/24/18</a:t>
+              <a:t>1/31/18</a:t>
             </a:fld>
             <a:endParaRPr lang="en-US"/>
           </a:p>
@@ -1714,7 +1714,7 @@
           <a:p>
             <a:fld id="{E2593520-FD55-7B49-9493-2A983CF880CA}" type="datetimeFigureOut">
               <a:rPr lang="en-US" smtClean="0"/>
-              <a:t>1/24/18</a:t>
+              <a:t>1/31/18</a:t>
             </a:fld>
             <a:endParaRPr lang="en-US"/>
           </a:p>
@@ -1809,7 +1809,7 @@
           <a:p>
             <a:fld id="{E2593520-FD55-7B49-9493-2A983CF880CA}" type="datetimeFigureOut">
               <a:rPr lang="en-US" smtClean="0"/>
-              <a:t>1/24/18</a:t>
+              <a:t>1/31/18</a:t>
             </a:fld>
             <a:endParaRPr lang="en-US"/>
           </a:p>
@@ -2084,7 +2084,7 @@
           <a:p>
             <a:fld id="{E2593520-FD55-7B49-9493-2A983CF880CA}" type="datetimeFigureOut">
               <a:rPr lang="en-US" smtClean="0"/>
-              <a:t>1/24/18</a:t>
+              <a:t>1/31/18</a:t>
             </a:fld>
             <a:endParaRPr lang="en-US"/>
           </a:p>
@@ -2336,7 +2336,7 @@
           <a:p>
             <a:fld id="{E2593520-FD55-7B49-9493-2A983CF880CA}" type="datetimeFigureOut">
               <a:rPr lang="en-US" smtClean="0"/>
-              <a:t>1/24/18</a:t>
+              <a:t>1/31/18</a:t>
             </a:fld>
             <a:endParaRPr lang="en-US"/>
           </a:p>
@@ -2547,7 +2547,7 @@
           <a:p>
             <a:fld id="{E2593520-FD55-7B49-9493-2A983CF880CA}" type="datetimeFigureOut">
               <a:rPr lang="en-US" smtClean="0"/>
-              <a:t>1/24/18</a:t>
+              <a:t>1/31/18</a:t>
             </a:fld>
             <a:endParaRPr lang="en-US"/>
           </a:p>
@@ -2996,8 +2996,12 @@
           </a:p>
           <a:p>
             <a:r>
+              <a:rPr lang="en-US"/>
+              <a:t>January 24, </a:t>
+            </a:r>
+            <a:r>
               <a:rPr lang="en-US" dirty="0"/>
-              <a:t>January 10, 2018 Con Call</a:t>
+              <a:t>2018 Con Call</a:t>
             </a:r>
           </a:p>
           <a:p>
